--- a/docs/diagrams/UndoRedoExecuteUndoStackDiagram.pptx
+++ b/docs/diagrams/UndoRedoExecuteUndoStackDiagram.pptx
@@ -261,7 +261,7 @@
           <a:p>
             <a:fld id="{03EC4E3E-8101-482F-A883-8B55DAFF7C07}" type="datetimeFigureOut">
               <a:rPr lang="en-SG" smtClean="0"/>
-              <a:t>13/3/2018</a:t>
+              <a:t>26/3/2018</a:t>
             </a:fld>
             <a:endParaRPr lang="en-SG"/>
           </a:p>
@@ -461,7 +461,7 @@
           <a:p>
             <a:fld id="{03EC4E3E-8101-482F-A883-8B55DAFF7C07}" type="datetimeFigureOut">
               <a:rPr lang="en-SG" smtClean="0"/>
-              <a:t>13/3/2018</a:t>
+              <a:t>26/3/2018</a:t>
             </a:fld>
             <a:endParaRPr lang="en-SG"/>
           </a:p>
@@ -671,7 +671,7 @@
           <a:p>
             <a:fld id="{03EC4E3E-8101-482F-A883-8B55DAFF7C07}" type="datetimeFigureOut">
               <a:rPr lang="en-SG" smtClean="0"/>
-              <a:t>13/3/2018</a:t>
+              <a:t>26/3/2018</a:t>
             </a:fld>
             <a:endParaRPr lang="en-SG"/>
           </a:p>
@@ -871,7 +871,7 @@
           <a:p>
             <a:fld id="{03EC4E3E-8101-482F-A883-8B55DAFF7C07}" type="datetimeFigureOut">
               <a:rPr lang="en-SG" smtClean="0"/>
-              <a:t>13/3/2018</a:t>
+              <a:t>26/3/2018</a:t>
             </a:fld>
             <a:endParaRPr lang="en-SG"/>
           </a:p>
@@ -1147,7 +1147,7 @@
           <a:p>
             <a:fld id="{03EC4E3E-8101-482F-A883-8B55DAFF7C07}" type="datetimeFigureOut">
               <a:rPr lang="en-SG" smtClean="0"/>
-              <a:t>13/3/2018</a:t>
+              <a:t>26/3/2018</a:t>
             </a:fld>
             <a:endParaRPr lang="en-SG"/>
           </a:p>
@@ -1415,7 +1415,7 @@
           <a:p>
             <a:fld id="{03EC4E3E-8101-482F-A883-8B55DAFF7C07}" type="datetimeFigureOut">
               <a:rPr lang="en-SG" smtClean="0"/>
-              <a:t>13/3/2018</a:t>
+              <a:t>26/3/2018</a:t>
             </a:fld>
             <a:endParaRPr lang="en-SG"/>
           </a:p>
@@ -1830,7 +1830,7 @@
           <a:p>
             <a:fld id="{03EC4E3E-8101-482F-A883-8B55DAFF7C07}" type="datetimeFigureOut">
               <a:rPr lang="en-SG" smtClean="0"/>
-              <a:t>13/3/2018</a:t>
+              <a:t>26/3/2018</a:t>
             </a:fld>
             <a:endParaRPr lang="en-SG"/>
           </a:p>
@@ -1972,7 +1972,7 @@
           <a:p>
             <a:fld id="{03EC4E3E-8101-482F-A883-8B55DAFF7C07}" type="datetimeFigureOut">
               <a:rPr lang="en-SG" smtClean="0"/>
-              <a:t>13/3/2018</a:t>
+              <a:t>26/3/2018</a:t>
             </a:fld>
             <a:endParaRPr lang="en-SG"/>
           </a:p>
@@ -2085,7 +2085,7 @@
           <a:p>
             <a:fld id="{03EC4E3E-8101-482F-A883-8B55DAFF7C07}" type="datetimeFigureOut">
               <a:rPr lang="en-SG" smtClean="0"/>
-              <a:t>13/3/2018</a:t>
+              <a:t>26/3/2018</a:t>
             </a:fld>
             <a:endParaRPr lang="en-SG"/>
           </a:p>
@@ -2398,7 +2398,7 @@
           <a:p>
             <a:fld id="{03EC4E3E-8101-482F-A883-8B55DAFF7C07}" type="datetimeFigureOut">
               <a:rPr lang="en-SG" smtClean="0"/>
-              <a:t>13/3/2018</a:t>
+              <a:t>26/3/2018</a:t>
             </a:fld>
             <a:endParaRPr lang="en-SG"/>
           </a:p>
@@ -2687,7 +2687,7 @@
           <a:p>
             <a:fld id="{03EC4E3E-8101-482F-A883-8B55DAFF7C07}" type="datetimeFigureOut">
               <a:rPr lang="en-SG" smtClean="0"/>
-              <a:t>13/3/2018</a:t>
+              <a:t>26/3/2018</a:t>
             </a:fld>
             <a:endParaRPr lang="en-SG"/>
           </a:p>
@@ -2930,7 +2930,7 @@
           <a:p>
             <a:fld id="{03EC4E3E-8101-482F-A883-8B55DAFF7C07}" type="datetimeFigureOut">
               <a:rPr lang="en-SG" smtClean="0"/>
-              <a:t>13/3/2018</a:t>
+              <a:t>26/3/2018</a:t>
             </a:fld>
             <a:endParaRPr lang="en-SG"/>
           </a:p>
@@ -3437,13 +3437,13 @@
       </p:sp>
       <p:sp>
         <p:nvSpPr>
-          <p:cNvPr id="50" name="Freeform 49"/>
+          <p:cNvPr id="52" name="Freeform 51"/>
           <p:cNvSpPr/>
           <p:nvPr/>
         </p:nvSpPr>
         <p:spPr>
           <a:xfrm>
-            <a:off x="10006092" y="1494315"/>
+            <a:off x="2402886" y="1494315"/>
             <a:ext cx="2621293" cy="2382474"/>
           </a:xfrm>
           <a:custGeom>
@@ -3525,195 +3525,19 @@
       </p:sp>
       <p:sp>
         <p:nvSpPr>
-          <p:cNvPr id="51" name="Freeform 50"/>
-          <p:cNvSpPr/>
+          <p:cNvPr id="27" name="TextBox 26">
+            <a:extLst>
+              <a:ext uri="{FF2B5EF4-FFF2-40B4-BE49-F238E27FC236}">
+                <a16:creationId xmlns:a16="http://schemas.microsoft.com/office/drawing/2014/main" id="{A602E897-AC55-414E-A133-097A608AA9CB}"/>
+              </a:ext>
+            </a:extLst>
+          </p:cNvPr>
+          <p:cNvSpPr txBox="1"/>
           <p:nvPr/>
         </p:nvSpPr>
         <p:spPr>
           <a:xfrm>
-            <a:off x="2493090" y="1494315"/>
-            <a:ext cx="2621293" cy="2382474"/>
-          </a:xfrm>
-          <a:custGeom>
-            <a:avLst/>
-            <a:gdLst>
-              <a:gd name="connsiteX0" fmla="*/ 0 w 2474752"/>
-              <a:gd name="connsiteY0" fmla="*/ 8389 h 2382474"/>
-              <a:gd name="connsiteX1" fmla="*/ 0 w 2474752"/>
-              <a:gd name="connsiteY1" fmla="*/ 2382474 h 2382474"/>
-              <a:gd name="connsiteX2" fmla="*/ 2474752 w 2474752"/>
-              <a:gd name="connsiteY2" fmla="*/ 2382474 h 2382474"/>
-              <a:gd name="connsiteX3" fmla="*/ 2474752 w 2474752"/>
-              <a:gd name="connsiteY3" fmla="*/ 0 h 2382474"/>
-            </a:gdLst>
-            <a:ahLst/>
-            <a:cxnLst>
-              <a:cxn ang="0">
-                <a:pos x="connsiteX0" y="connsiteY0"/>
-              </a:cxn>
-              <a:cxn ang="0">
-                <a:pos x="connsiteX1" y="connsiteY1"/>
-              </a:cxn>
-              <a:cxn ang="0">
-                <a:pos x="connsiteX2" y="connsiteY2"/>
-              </a:cxn>
-              <a:cxn ang="0">
-                <a:pos x="connsiteX3" y="connsiteY3"/>
-              </a:cxn>
-            </a:cxnLst>
-            <a:rect l="l" t="t" r="r" b="b"/>
-            <a:pathLst>
-              <a:path w="2474752" h="2382474">
-                <a:moveTo>
-                  <a:pt x="0" y="8389"/>
-                </a:moveTo>
-                <a:lnTo>
-                  <a:pt x="0" y="2382474"/>
-                </a:lnTo>
-                <a:lnTo>
-                  <a:pt x="2474752" y="2382474"/>
-                </a:lnTo>
-                <a:lnTo>
-                  <a:pt x="2474752" y="0"/>
-                </a:lnTo>
-              </a:path>
-            </a:pathLst>
-          </a:custGeom>
-          <a:noFill/>
-          <a:ln w="38100">
-            <a:solidFill>
-              <a:schemeClr val="tx1"/>
-            </a:solidFill>
-          </a:ln>
-        </p:spPr>
-        <p:style>
-          <a:lnRef idx="2">
-            <a:schemeClr val="accent1">
-              <a:shade val="50000"/>
-            </a:schemeClr>
-          </a:lnRef>
-          <a:fillRef idx="1">
-            <a:schemeClr val="accent1"/>
-          </a:fillRef>
-          <a:effectRef idx="0">
-            <a:schemeClr val="accent1"/>
-          </a:effectRef>
-          <a:fontRef idx="minor">
-            <a:schemeClr val="lt1"/>
-          </a:fontRef>
-        </p:style>
-        <p:txBody>
-          <a:bodyPr rtlCol="0" anchor="ctr"/>
-          <a:lstStyle/>
-          <a:p>
-            <a:pPr algn="ctr"/>
-            <a:endParaRPr lang="en-US"/>
-          </a:p>
-        </p:txBody>
-      </p:sp>
-      <p:sp>
-        <p:nvSpPr>
-          <p:cNvPr id="52" name="Freeform 51"/>
-          <p:cNvSpPr/>
-          <p:nvPr/>
-        </p:nvSpPr>
-        <p:spPr>
-          <a:xfrm>
-            <a:off x="-220607" y="1494315"/>
-            <a:ext cx="2621293" cy="2382474"/>
-          </a:xfrm>
-          <a:custGeom>
-            <a:avLst/>
-            <a:gdLst>
-              <a:gd name="connsiteX0" fmla="*/ 0 w 2474752"/>
-              <a:gd name="connsiteY0" fmla="*/ 8389 h 2382474"/>
-              <a:gd name="connsiteX1" fmla="*/ 0 w 2474752"/>
-              <a:gd name="connsiteY1" fmla="*/ 2382474 h 2382474"/>
-              <a:gd name="connsiteX2" fmla="*/ 2474752 w 2474752"/>
-              <a:gd name="connsiteY2" fmla="*/ 2382474 h 2382474"/>
-              <a:gd name="connsiteX3" fmla="*/ 2474752 w 2474752"/>
-              <a:gd name="connsiteY3" fmla="*/ 0 h 2382474"/>
-            </a:gdLst>
-            <a:ahLst/>
-            <a:cxnLst>
-              <a:cxn ang="0">
-                <a:pos x="connsiteX0" y="connsiteY0"/>
-              </a:cxn>
-              <a:cxn ang="0">
-                <a:pos x="connsiteX1" y="connsiteY1"/>
-              </a:cxn>
-              <a:cxn ang="0">
-                <a:pos x="connsiteX2" y="connsiteY2"/>
-              </a:cxn>
-              <a:cxn ang="0">
-                <a:pos x="connsiteX3" y="connsiteY3"/>
-              </a:cxn>
-            </a:cxnLst>
-            <a:rect l="l" t="t" r="r" b="b"/>
-            <a:pathLst>
-              <a:path w="2474752" h="2382474">
-                <a:moveTo>
-                  <a:pt x="0" y="8389"/>
-                </a:moveTo>
-                <a:lnTo>
-                  <a:pt x="0" y="2382474"/>
-                </a:lnTo>
-                <a:lnTo>
-                  <a:pt x="2474752" y="2382474"/>
-                </a:lnTo>
-                <a:lnTo>
-                  <a:pt x="2474752" y="0"/>
-                </a:lnTo>
-              </a:path>
-            </a:pathLst>
-          </a:custGeom>
-          <a:noFill/>
-          <a:ln w="38100">
-            <a:solidFill>
-              <a:schemeClr val="tx1"/>
-            </a:solidFill>
-          </a:ln>
-        </p:spPr>
-        <p:style>
-          <a:lnRef idx="2">
-            <a:schemeClr val="accent1">
-              <a:shade val="50000"/>
-            </a:schemeClr>
-          </a:lnRef>
-          <a:fillRef idx="1">
-            <a:schemeClr val="accent1"/>
-          </a:fillRef>
-          <a:effectRef idx="0">
-            <a:schemeClr val="accent1"/>
-          </a:effectRef>
-          <a:fontRef idx="minor">
-            <a:schemeClr val="lt1"/>
-          </a:fontRef>
-        </p:style>
-        <p:txBody>
-          <a:bodyPr rtlCol="0" anchor="ctr"/>
-          <a:lstStyle/>
-          <a:p>
-            <a:pPr algn="ctr"/>
-            <a:endParaRPr lang="en-US"/>
-          </a:p>
-        </p:txBody>
-      </p:sp>
-      <p:sp>
-        <p:nvSpPr>
-          <p:cNvPr id="27" name="TextBox 26">
-            <a:extLst>
-              <a:ext uri="{FF2B5EF4-FFF2-40B4-BE49-F238E27FC236}">
-                <a16:creationId xmlns:a16="http://schemas.microsoft.com/office/drawing/2014/main" id="{A602E897-AC55-414E-A133-097A608AA9CB}"/>
-              </a:ext>
-            </a:extLst>
-          </p:cNvPr>
-          <p:cNvSpPr txBox="1"/>
-          <p:nvPr/>
-        </p:nvSpPr>
-        <p:spPr>
-          <a:xfrm>
-            <a:off x="-62383" y="3903640"/>
+            <a:off x="2561110" y="3903640"/>
             <a:ext cx="2463069" cy="365972"/>
           </a:xfrm>
           <a:prstGeom prst="rect">
@@ -3733,47 +3557,6 @@
                 <a:latin typeface="Consolas" panose="020B0609020204030204" pitchFamily="49" charset="0"/>
               </a:rPr>
               <a:t>undoStack</a:t>
-            </a:r>
-            <a:endParaRPr lang="en-SG" dirty="0">
-              <a:latin typeface="Consolas" panose="020B0609020204030204" pitchFamily="49" charset="0"/>
-            </a:endParaRPr>
-          </a:p>
-        </p:txBody>
-      </p:sp>
-      <p:sp>
-        <p:nvSpPr>
-          <p:cNvPr id="28" name="TextBox 27">
-            <a:extLst>
-              <a:ext uri="{FF2B5EF4-FFF2-40B4-BE49-F238E27FC236}">
-                <a16:creationId xmlns:a16="http://schemas.microsoft.com/office/drawing/2014/main" id="{82DA2251-D0FB-46DF-9BA0-2C4F4E738263}"/>
-              </a:ext>
-            </a:extLst>
-          </p:cNvPr>
-          <p:cNvSpPr txBox="1"/>
-          <p:nvPr/>
-        </p:nvSpPr>
-        <p:spPr>
-          <a:xfrm>
-            <a:off x="2520692" y="3900280"/>
-            <a:ext cx="2458129" cy="369332"/>
-          </a:xfrm>
-          <a:prstGeom prst="rect">
-            <a:avLst/>
-          </a:prstGeom>
-          <a:noFill/>
-        </p:spPr>
-        <p:txBody>
-          <a:bodyPr wrap="square" rtlCol="0">
-            <a:spAutoFit/>
-          </a:bodyPr>
-          <a:lstStyle/>
-          <a:p>
-            <a:pPr algn="ctr"/>
-            <a:r>
-              <a:rPr lang="en-SG" dirty="0" err="1">
-                <a:latin typeface="Consolas" panose="020B0609020204030204" pitchFamily="49" charset="0"/>
-              </a:rPr>
-              <a:t>redoStack</a:t>
             </a:r>
             <a:endParaRPr lang="en-SG" dirty="0">
               <a:latin typeface="Consolas" panose="020B0609020204030204" pitchFamily="49" charset="0"/>
@@ -3873,47 +3656,6 @@
           </a:p>
         </p:txBody>
       </p:sp>
-      <p:sp>
-        <p:nvSpPr>
-          <p:cNvPr id="38" name="TextBox 37">
-            <a:extLst>
-              <a:ext uri="{FF2B5EF4-FFF2-40B4-BE49-F238E27FC236}">
-                <a16:creationId xmlns:a16="http://schemas.microsoft.com/office/drawing/2014/main" id="{E7FC04E1-E8EF-4A00-BEAB-CDBFB6DAAA8E}"/>
-              </a:ext>
-            </a:extLst>
-          </p:cNvPr>
-          <p:cNvSpPr txBox="1"/>
-          <p:nvPr/>
-        </p:nvSpPr>
-        <p:spPr>
-          <a:xfrm>
-            <a:off x="10031137" y="3896920"/>
-            <a:ext cx="2458129" cy="369332"/>
-          </a:xfrm>
-          <a:prstGeom prst="rect">
-            <a:avLst/>
-          </a:prstGeom>
-          <a:noFill/>
-        </p:spPr>
-        <p:txBody>
-          <a:bodyPr wrap="square" rtlCol="0">
-            <a:spAutoFit/>
-          </a:bodyPr>
-          <a:lstStyle/>
-          <a:p>
-            <a:pPr algn="ctr"/>
-            <a:r>
-              <a:rPr lang="en-SG" dirty="0" err="1">
-                <a:latin typeface="Consolas" panose="020B0609020204030204" pitchFamily="49" charset="0"/>
-              </a:rPr>
-              <a:t>redoStack</a:t>
-            </a:r>
-            <a:endParaRPr lang="en-SG" dirty="0">
-              <a:latin typeface="Consolas" panose="020B0609020204030204" pitchFamily="49" charset="0"/>
-            </a:endParaRPr>
-          </a:p>
-        </p:txBody>
-      </p:sp>
       <p:graphicFrame>
         <p:nvGraphicFramePr>
           <p:cNvPr id="46" name="Table 45">
@@ -3929,139 +3671,13 @@
           <p:nvPr>
             <p:extLst>
               <p:ext uri="{D42A27DB-BD31-4B8C-83A1-F6EECF244321}">
-                <p14:modId xmlns:p14="http://schemas.microsoft.com/office/powerpoint/2010/main" val="2179915106"/>
+                <p14:modId xmlns:p14="http://schemas.microsoft.com/office/powerpoint/2010/main" val="3795197861"/>
               </p:ext>
             </p:extLst>
           </p:nvPr>
         </p:nvGraphicFramePr>
         <p:xfrm>
-          <a:off x="-147723" y="1694475"/>
-          <a:ext cx="2458129" cy="1005840"/>
-        </p:xfrm>
-        <a:graphic>
-          <a:graphicData uri="http://schemas.openxmlformats.org/drawingml/2006/table">
-            <a:tbl>
-              <a:tblPr>
-                <a:tableStyleId>{638B1855-1B75-4FBE-930C-398BA8C253C6}</a:tableStyleId>
-              </a:tblPr>
-              <a:tblGrid>
-                <a:gridCol w="2458129">
-                  <a:extLst>
-                    <a:ext uri="{9D8B030D-6E8A-4147-A177-3AD203B41FA5}">
-                      <a16:colId xmlns:a16="http://schemas.microsoft.com/office/drawing/2014/main" val="4240773277"/>
-                    </a:ext>
-                  </a:extLst>
-                </a:gridCol>
-              </a:tblGrid>
-              <a:tr h="326391">
-                <a:tc>
-                  <a:txBody>
-                    <a:bodyPr/>
-                    <a:lstStyle/>
-                    <a:p>
-                      <a:r>
-                        <a:rPr lang="en-SG" u="sng" dirty="0"/>
-                        <a:t>:</a:t>
-                      </a:r>
-                      <a:r>
-                        <a:rPr lang="en-SG" u="sng" dirty="0" err="1"/>
-                        <a:t>AddCommand</a:t>
-                      </a:r>
-                      <a:endParaRPr lang="en-SG" u="sng" dirty="0"/>
-                    </a:p>
-                  </a:txBody>
-                  <a:tcPr>
-                    <a:lnB w="12700" cap="flat" cmpd="sng" algn="ctr">
-                      <a:solidFill>
-                        <a:schemeClr val="bg1">
-                          <a:lumMod val="75000"/>
-                        </a:schemeClr>
-                      </a:solidFill>
-                      <a:prstDash val="solid"/>
-                      <a:round/>
-                      <a:headEnd type="none" w="med" len="med"/>
-                      <a:tailEnd type="none" w="med" len="med"/>
-                    </a:lnB>
-                  </a:tcPr>
-                </a:tc>
-                <a:extLst>
-                  <a:ext uri="{0D108BD9-81ED-4DB2-BD59-A6C34878D82A}">
-                    <a16:rowId xmlns:a16="http://schemas.microsoft.com/office/drawing/2014/main" val="2194462629"/>
-                  </a:ext>
-                </a:extLst>
-              </a:tr>
-              <a:tr h="326391">
-                <a:tc>
-                  <a:txBody>
-                    <a:bodyPr/>
-                    <a:lstStyle/>
-                    <a:p>
-                      <a:r>
-                        <a:rPr lang="en-SG" dirty="0" err="1"/>
-                        <a:t>toAdd</a:t>
-                      </a:r>
-                      <a:r>
-                        <a:rPr lang="en-SG" dirty="0"/>
-                        <a:t> = “Title: Artemis”</a:t>
-                      </a:r>
-                    </a:p>
-                    <a:p>
-                      <a:r>
-                        <a:rPr lang="en-SG" dirty="0" err="1"/>
-                        <a:t>prevBookShelf</a:t>
-                      </a:r>
-                      <a:r>
-                        <a:rPr lang="en-SG" dirty="0"/>
-                        <a:t> = s2</a:t>
-                      </a:r>
-                    </a:p>
-                  </a:txBody>
-                  <a:tcPr>
-                    <a:lnT w="12700" cap="flat" cmpd="sng" algn="ctr">
-                      <a:solidFill>
-                        <a:schemeClr val="bg1">
-                          <a:lumMod val="75000"/>
-                        </a:schemeClr>
-                      </a:solidFill>
-                      <a:prstDash val="solid"/>
-                      <a:round/>
-                      <a:headEnd type="none" w="med" len="med"/>
-                      <a:tailEnd type="none" w="med" len="med"/>
-                    </a:lnT>
-                  </a:tcPr>
-                </a:tc>
-                <a:extLst>
-                  <a:ext uri="{0D108BD9-81ED-4DB2-BD59-A6C34878D82A}">
-                    <a16:rowId xmlns:a16="http://schemas.microsoft.com/office/drawing/2014/main" val="368623409"/>
-                  </a:ext>
-                </a:extLst>
-              </a:tr>
-            </a:tbl>
-          </a:graphicData>
-        </a:graphic>
-      </p:graphicFrame>
-      <p:graphicFrame>
-        <p:nvGraphicFramePr>
-          <p:cNvPr id="44" name="Table 43">
-            <a:extLst>
-              <a:ext uri="{FF2B5EF4-FFF2-40B4-BE49-F238E27FC236}">
-                <a16:creationId xmlns:a16="http://schemas.microsoft.com/office/drawing/2014/main" id="{576A6F3A-17FD-4766-8EEC-922FC2F8B776}"/>
-              </a:ext>
-            </a:extLst>
-          </p:cNvPr>
-          <p:cNvGraphicFramePr>
-            <a:graphicFrameLocks noGrp="1"/>
-          </p:cNvGraphicFramePr>
-          <p:nvPr>
-            <p:extLst>
-              <p:ext uri="{D42A27DB-BD31-4B8C-83A1-F6EECF244321}">
-                <p14:modId xmlns:p14="http://schemas.microsoft.com/office/powerpoint/2010/main" val="692368584"/>
-              </p:ext>
-            </p:extLst>
-          </p:nvPr>
-        </p:nvGraphicFramePr>
-        <p:xfrm>
-          <a:off x="10099278" y="2777902"/>
+          <a:off x="2475770" y="1694475"/>
           <a:ext cx="2458129" cy="1005840"/>
         </p:xfrm>
         <a:graphic>
@@ -4181,13 +3797,13 @@
           <p:nvPr>
             <p:extLst>
               <p:ext uri="{D42A27DB-BD31-4B8C-83A1-F6EECF244321}">
-                <p14:modId xmlns:p14="http://schemas.microsoft.com/office/powerpoint/2010/main" val="1386321750"/>
+                <p14:modId xmlns:p14="http://schemas.microsoft.com/office/powerpoint/2010/main" val="2988959416"/>
               </p:ext>
             </p:extLst>
           </p:nvPr>
         </p:nvGraphicFramePr>
         <p:xfrm>
-          <a:off x="-147724" y="2779309"/>
+          <a:off x="2475769" y="2779309"/>
           <a:ext cx="2458129" cy="1005840"/>
         </p:xfrm>
         <a:graphic>
@@ -4432,8 +4048,8 @@
         </p:nvSpPr>
         <p:spPr>
           <a:xfrm>
-            <a:off x="7782113" y="1729201"/>
-            <a:ext cx="4591018" cy="923330"/>
+            <a:off x="7448062" y="1470824"/>
+            <a:ext cx="2378350" cy="1200329"/>
           </a:xfrm>
           <a:prstGeom prst="rect">
             <a:avLst/>
@@ -4474,7 +4090,7 @@
             <a:pPr algn="ctr"/>
             <a:r>
               <a:rPr lang="en-SG" dirty="0"/>
-              <a:t>The state of the book shelf (before ‘add t/Artemis …’ was executed) will be restored to s2.</a:t>
+              <a:t>The state of the book shelf (before ‘add 1’ was executed) will be restored to s2.</a:t>
             </a:r>
           </a:p>
         </p:txBody>
